--- a/Compiler/Frontend/06.constant_fold.pptx
+++ b/Compiler/Frontend/06.constant_fold.pptx
@@ -570,7 +570,7 @@
             <a:fld id="{C45443A1-D8F2-48CD-A659-3CEDBA8DF541}" type="datetimeFigureOut">
               <a:rPr lang="zh-CN" altLang="en-US" smtClean="0"/>
               <a:pPr/>
-              <a:t>2022/12/16</a:t>
+              <a:t>2023/1/10</a:t>
             </a:fld>
             <a:endParaRPr lang="zh-CN" altLang="en-US"/>
           </a:p>
@@ -38933,7 +38933,7 @@
           <a:blip r:embed="rId2">
             <a:extLst>
               <a:ext uri="{28A0092B-C50C-407E-A947-70E740481C1C}">
-                <a14:useLocalDpi xmlns:a14="http://schemas.microsoft.com/office/drawing/2010/main" val="0"/>
+                <a14:useLocalDpi xmlns:a14="http://schemas.microsoft.com/office/drawing/2010/main"/>
               </a:ext>
             </a:extLst>
           </a:blip>
@@ -38980,7 +38980,7 @@
           <a:blip r:embed="rId3">
             <a:extLst>
               <a:ext uri="{28A0092B-C50C-407E-A947-70E740481C1C}">
-                <a14:useLocalDpi xmlns:a14="http://schemas.microsoft.com/office/drawing/2010/main" val="0"/>
+                <a14:useLocalDpi xmlns:a14="http://schemas.microsoft.com/office/drawing/2010/main"/>
               </a:ext>
             </a:extLst>
           </a:blip>
@@ -39027,7 +39027,7 @@
           <a:blip r:embed="rId4">
             <a:extLst>
               <a:ext uri="{28A0092B-C50C-407E-A947-70E740481C1C}">
-                <a14:useLocalDpi xmlns:a14="http://schemas.microsoft.com/office/drawing/2010/main" val="0"/>
+                <a14:useLocalDpi xmlns:a14="http://schemas.microsoft.com/office/drawing/2010/main"/>
               </a:ext>
             </a:extLst>
           </a:blip>
@@ -39074,7 +39074,7 @@
           <a:blip r:embed="rId5">
             <a:extLst>
               <a:ext uri="{28A0092B-C50C-407E-A947-70E740481C1C}">
-                <a14:useLocalDpi xmlns:a14="http://schemas.microsoft.com/office/drawing/2010/main" val="0"/>
+                <a14:useLocalDpi xmlns:a14="http://schemas.microsoft.com/office/drawing/2010/main"/>
               </a:ext>
             </a:extLst>
           </a:blip>
@@ -39320,7 +39320,7 @@
           <a:blip r:embed="rId2">
             <a:extLst>
               <a:ext uri="{28A0092B-C50C-407E-A947-70E740481C1C}">
-                <a14:useLocalDpi xmlns:a14="http://schemas.microsoft.com/office/drawing/2010/main" val="0"/>
+                <a14:useLocalDpi xmlns:a14="http://schemas.microsoft.com/office/drawing/2010/main"/>
               </a:ext>
             </a:extLst>
           </a:blip>
@@ -39367,7 +39367,7 @@
           <a:blip r:embed="rId3">
             <a:extLst>
               <a:ext uri="{28A0092B-C50C-407E-A947-70E740481C1C}">
-                <a14:useLocalDpi xmlns:a14="http://schemas.microsoft.com/office/drawing/2010/main" val="0"/>
+                <a14:useLocalDpi xmlns:a14="http://schemas.microsoft.com/office/drawing/2010/main"/>
               </a:ext>
             </a:extLst>
           </a:blip>
@@ -39658,7 +39658,7 @@
           <a:blip r:embed="rId2">
             <a:extLst>
               <a:ext uri="{28A0092B-C50C-407E-A947-70E740481C1C}">
-                <a14:useLocalDpi xmlns:a14="http://schemas.microsoft.com/office/drawing/2010/main" val="0"/>
+                <a14:useLocalDpi xmlns:a14="http://schemas.microsoft.com/office/drawing/2010/main"/>
               </a:ext>
             </a:extLst>
           </a:blip>
@@ -39705,7 +39705,7 @@
           <a:blip r:embed="rId3">
             <a:extLst>
               <a:ext uri="{28A0092B-C50C-407E-A947-70E740481C1C}">
-                <a14:useLocalDpi xmlns:a14="http://schemas.microsoft.com/office/drawing/2010/main" val="0"/>
+                <a14:useLocalDpi xmlns:a14="http://schemas.microsoft.com/office/drawing/2010/main"/>
               </a:ext>
             </a:extLst>
           </a:blip>
@@ -39752,7 +39752,7 @@
           <a:blip r:embed="rId4">
             <a:extLst>
               <a:ext uri="{28A0092B-C50C-407E-A947-70E740481C1C}">
-                <a14:useLocalDpi xmlns:a14="http://schemas.microsoft.com/office/drawing/2010/main" val="0"/>
+                <a14:useLocalDpi xmlns:a14="http://schemas.microsoft.com/office/drawing/2010/main"/>
               </a:ext>
             </a:extLst>
           </a:blip>
@@ -39871,7 +39871,7 @@
           <p:nvPr>
             <p:extLst>
               <p:ext uri="{D42A27DB-BD31-4B8C-83A1-F6EECF244321}">
-                <p14:modId xmlns:p14="http://schemas.microsoft.com/office/powerpoint/2010/main" val="2807322741"/>
+                <p14:modId xmlns:p14="http://schemas.microsoft.com/office/powerpoint/2010/main" val="3213552828"/>
               </p:ext>
             </p:extLst>
           </p:nvPr>
@@ -40150,12 +40150,12 @@
                     <a:p>
                       <a:pPr algn="ctr" fontAlgn="t"/>
                       <a:r>
-                        <a:rPr lang="en-US" altLang="zh-CN" sz="1200" b="0">
+                        <a:rPr lang="en-US" altLang="zh-CN" sz="1200" b="0" dirty="0">
                           <a:effectLst/>
                           <a:latin typeface="Gill Sans MT" panose="020B0502020104020203" pitchFamily="34" charset="0"/>
                           <a:ea typeface="+mj-ea"/>
                         </a:rPr>
-                        <a:t>10%</a:t>
+                        <a:t>~8%</a:t>
                       </a:r>
                     </a:p>
                   </a:txBody>
@@ -40173,7 +40173,7 @@
                           <a:latin typeface="Gill Sans MT" panose="020B0502020104020203" pitchFamily="34" charset="0"/>
                           <a:ea typeface="+mj-ea"/>
                         </a:rPr>
-                        <a:t>51%</a:t>
+                        <a:t>~34%</a:t>
                       </a:r>
                     </a:p>
                   </a:txBody>
@@ -43214,7 +43214,13 @@
           <p:nvPr/>
         </p:nvPicPr>
         <p:blipFill rotWithShape="1">
-          <a:blip r:embed="rId2"/>
+          <a:blip r:embed="rId2" cstate="screen">
+            <a:extLst>
+              <a:ext uri="{28A0092B-C50C-407E-A947-70E740481C1C}">
+                <a14:useLocalDpi xmlns:a14="http://schemas.microsoft.com/office/drawing/2010/main"/>
+              </a:ext>
+            </a:extLst>
+          </a:blip>
           <a:srcRect r="4251"/>
           <a:stretch/>
         </p:blipFill>
@@ -43243,7 +43249,13 @@
           <p:nvPr/>
         </p:nvPicPr>
         <p:blipFill rotWithShape="1">
-          <a:blip r:embed="rId3"/>
+          <a:blip r:embed="rId3" cstate="screen">
+            <a:extLst>
+              <a:ext uri="{28A0092B-C50C-407E-A947-70E740481C1C}">
+                <a14:useLocalDpi xmlns:a14="http://schemas.microsoft.com/office/drawing/2010/main"/>
+              </a:ext>
+            </a:extLst>
+          </a:blip>
           <a:srcRect r="3434"/>
           <a:stretch/>
         </p:blipFill>
@@ -43272,7 +43284,13 @@
           <p:nvPr/>
         </p:nvPicPr>
         <p:blipFill rotWithShape="1">
-          <a:blip r:embed="rId4"/>
+          <a:blip r:embed="rId4" cstate="screen">
+            <a:extLst>
+              <a:ext uri="{28A0092B-C50C-407E-A947-70E740481C1C}">
+                <a14:useLocalDpi xmlns:a14="http://schemas.microsoft.com/office/drawing/2010/main"/>
+              </a:ext>
+            </a:extLst>
+          </a:blip>
           <a:srcRect r="6216"/>
           <a:stretch/>
         </p:blipFill>
@@ -43443,8 +43461,14 @@
           <p:nvPr/>
         </p:nvPicPr>
         <p:blipFill rotWithShape="1">
-          <a:blip r:embed="rId3"/>
-          <a:srcRect r="15250"/>
+          <a:blip r:embed="rId3" cstate="screen">
+            <a:extLst>
+              <a:ext uri="{28A0092B-C50C-407E-A947-70E740481C1C}">
+                <a14:useLocalDpi xmlns:a14="http://schemas.microsoft.com/office/drawing/2010/main"/>
+              </a:ext>
+            </a:extLst>
+          </a:blip>
+          <a:srcRect/>
           <a:stretch/>
         </p:blipFill>
         <p:spPr>
